--- a/H_BimNote/백일장단문매크로용.pptx
+++ b/H_BimNote/백일장단문매크로용.pptx
@@ -257,7 +257,7 @@
           <a:p>
             <a:fld id="{FDA99AF5-53F2-4D07-83E0-DEEF2D62EB24}" type="datetimeFigureOut">
               <a:rPr lang="ko-KR" altLang="en-US" smtClean="0"/>
-              <a:t>2024-12-09</a:t>
+              <a:t>2024-12-10</a:t>
             </a:fld>
             <a:endParaRPr lang="ko-KR" altLang="en-US"/>
           </a:p>
@@ -427,7 +427,7 @@
           <a:p>
             <a:fld id="{FDA99AF5-53F2-4D07-83E0-DEEF2D62EB24}" type="datetimeFigureOut">
               <a:rPr lang="ko-KR" altLang="en-US" smtClean="0"/>
-              <a:t>2024-12-09</a:t>
+              <a:t>2024-12-10</a:t>
             </a:fld>
             <a:endParaRPr lang="ko-KR" altLang="en-US"/>
           </a:p>
@@ -607,7 +607,7 @@
           <a:p>
             <a:fld id="{FDA99AF5-53F2-4D07-83E0-DEEF2D62EB24}" type="datetimeFigureOut">
               <a:rPr lang="ko-KR" altLang="en-US" smtClean="0"/>
-              <a:t>2024-12-09</a:t>
+              <a:t>2024-12-10</a:t>
             </a:fld>
             <a:endParaRPr lang="ko-KR" altLang="en-US"/>
           </a:p>
@@ -777,7 +777,7 @@
           <a:p>
             <a:fld id="{FDA99AF5-53F2-4D07-83E0-DEEF2D62EB24}" type="datetimeFigureOut">
               <a:rPr lang="ko-KR" altLang="en-US" smtClean="0"/>
-              <a:t>2024-12-09</a:t>
+              <a:t>2024-12-10</a:t>
             </a:fld>
             <a:endParaRPr lang="ko-KR" altLang="en-US"/>
           </a:p>
@@ -1023,7 +1023,7 @@
           <a:p>
             <a:fld id="{FDA99AF5-53F2-4D07-83E0-DEEF2D62EB24}" type="datetimeFigureOut">
               <a:rPr lang="ko-KR" altLang="en-US" smtClean="0"/>
-              <a:t>2024-12-09</a:t>
+              <a:t>2024-12-10</a:t>
             </a:fld>
             <a:endParaRPr lang="ko-KR" altLang="en-US"/>
           </a:p>
@@ -1255,7 +1255,7 @@
           <a:p>
             <a:fld id="{FDA99AF5-53F2-4D07-83E0-DEEF2D62EB24}" type="datetimeFigureOut">
               <a:rPr lang="ko-KR" altLang="en-US" smtClean="0"/>
-              <a:t>2024-12-09</a:t>
+              <a:t>2024-12-10</a:t>
             </a:fld>
             <a:endParaRPr lang="ko-KR" altLang="en-US"/>
           </a:p>
@@ -1622,7 +1622,7 @@
           <a:p>
             <a:fld id="{FDA99AF5-53F2-4D07-83E0-DEEF2D62EB24}" type="datetimeFigureOut">
               <a:rPr lang="ko-KR" altLang="en-US" smtClean="0"/>
-              <a:t>2024-12-09</a:t>
+              <a:t>2024-12-10</a:t>
             </a:fld>
             <a:endParaRPr lang="ko-KR" altLang="en-US"/>
           </a:p>
@@ -1740,7 +1740,7 @@
           <a:p>
             <a:fld id="{FDA99AF5-53F2-4D07-83E0-DEEF2D62EB24}" type="datetimeFigureOut">
               <a:rPr lang="ko-KR" altLang="en-US" smtClean="0"/>
-              <a:t>2024-12-09</a:t>
+              <a:t>2024-12-10</a:t>
             </a:fld>
             <a:endParaRPr lang="ko-KR" altLang="en-US"/>
           </a:p>
@@ -1835,7 +1835,7 @@
           <a:p>
             <a:fld id="{FDA99AF5-53F2-4D07-83E0-DEEF2D62EB24}" type="datetimeFigureOut">
               <a:rPr lang="ko-KR" altLang="en-US" smtClean="0"/>
-              <a:t>2024-12-09</a:t>
+              <a:t>2024-12-10</a:t>
             </a:fld>
             <a:endParaRPr lang="ko-KR" altLang="en-US"/>
           </a:p>
@@ -2112,7 +2112,7 @@
           <a:p>
             <a:fld id="{FDA99AF5-53F2-4D07-83E0-DEEF2D62EB24}" type="datetimeFigureOut">
               <a:rPr lang="ko-KR" altLang="en-US" smtClean="0"/>
-              <a:t>2024-12-09</a:t>
+              <a:t>2024-12-10</a:t>
             </a:fld>
             <a:endParaRPr lang="ko-KR" altLang="en-US"/>
           </a:p>
@@ -2369,7 +2369,7 @@
           <a:p>
             <a:fld id="{FDA99AF5-53F2-4D07-83E0-DEEF2D62EB24}" type="datetimeFigureOut">
               <a:rPr lang="ko-KR" altLang="en-US" smtClean="0"/>
-              <a:t>2024-12-09</a:t>
+              <a:t>2024-12-10</a:t>
             </a:fld>
             <a:endParaRPr lang="ko-KR" altLang="en-US"/>
           </a:p>
@@ -2591,7 +2591,7 @@
           <a:p>
             <a:fld id="{FDA99AF5-53F2-4D07-83E0-DEEF2D62EB24}" type="datetimeFigureOut">
               <a:rPr lang="ko-KR" altLang="en-US" smtClean="0"/>
-              <a:t>2024-12-09</a:t>
+              <a:t>2024-12-10</a:t>
             </a:fld>
             <a:endParaRPr lang="ko-KR" altLang="en-US"/>
           </a:p>
@@ -5469,12 +5469,36 @@
           <a:lstStyle/>
           <a:p>
             <a:r>
-              <a:rPr lang="ko-KR" altLang="en-US" sz="2500" b="1" spc="300">
+              <a:rPr lang="ko-KR" altLang="en-US" sz="2500" b="1" spc="300" dirty="0" err="1">
                 <a:latin typeface="조선일보명조" panose="02030304000000000000" pitchFamily="18" charset="-127"/>
                 <a:ea typeface="조선일보명조" panose="02030304000000000000" pitchFamily="18" charset="-127"/>
                 <a:cs typeface="조선일보명조" panose="02030304000000000000" pitchFamily="18" charset="-127"/>
               </a:rPr>
               <a:t>운외창천</a:t>
+            </a:r>
+            <a:r>
+              <a:rPr lang="en-US" altLang="ko-KR" sz="2500" b="1" spc="300" dirty="0">
+                <a:latin typeface="조선일보명조" panose="02030304000000000000" pitchFamily="18" charset="-127"/>
+                <a:ea typeface="조선일보명조" panose="02030304000000000000" pitchFamily="18" charset="-127"/>
+                <a:cs typeface="조선일보명조" panose="02030304000000000000" pitchFamily="18" charset="-127"/>
+              </a:rPr>
+              <a:t>(</a:t>
+            </a:r>
+            <a:r>
+              <a:rPr lang="ko-KR" altLang="en-US" sz="2500" b="1" spc="300" dirty="0">
+                <a:latin typeface="조선일보명조" panose="02030304000000000000" pitchFamily="18" charset="-127"/>
+                <a:ea typeface="조선일보명조" panose="02030304000000000000" pitchFamily="18" charset="-127"/>
+                <a:cs typeface="조선일보명조" panose="02030304000000000000" pitchFamily="18" charset="-127"/>
+              </a:rPr>
+              <a:t>雲外蒼天</a:t>
+            </a:r>
+            <a:r>
+              <a:rPr lang="en-US" altLang="ko-KR" sz="2500" b="1" spc="300" dirty="0">
+                <a:latin typeface="조선일보명조" panose="02030304000000000000" pitchFamily="18" charset="-127"/>
+                <a:ea typeface="조선일보명조" panose="02030304000000000000" pitchFamily="18" charset="-127"/>
+                <a:cs typeface="조선일보명조" panose="02030304000000000000" pitchFamily="18" charset="-127"/>
+              </a:rPr>
+              <a:t>)</a:t>
             </a:r>
             <a:endParaRPr lang="ko-KR" altLang="en-US" sz="2500" b="1" spc="300" dirty="0">
               <a:latin typeface="조선일보명조" panose="02030304000000000000" pitchFamily="18" charset="-127"/>
